--- a/_PowerPoints/1st Semester/Unit 0 Introduction/Next 4 Days/Algebra3_Day_001.pptx
+++ b/_PowerPoints/1st Semester/Unit 0 Introduction/Next 4 Days/Algebra3_Day_001.pptx
@@ -215,7 +215,7 @@
           <a:p>
             <a:fld id="{FDC74F93-3CDB-254B-A713-DEBB783BCF51}" type="datetimeFigureOut">
               <a:rPr lang="en-US" smtClean="0"/>
-              <a:t>8/20/17</a:t>
+              <a:t>8/29/2018</a:t>
             </a:fld>
             <a:endParaRPr lang="en-US"/>
           </a:p>
@@ -653,7 +653,7 @@
             <a:fld id="{87DE6118-2437-4B30-8E3C-4D2BE6020583}" type="datetimeFigureOut">
               <a:rPr lang="en-US" dirty="0"/>
               <a:pPr/>
-              <a:t>8/20/17</a:t>
+              <a:t>8/29/2018</a:t>
             </a:fld>
             <a:endParaRPr lang="en-US" dirty="0"/>
           </a:p>
@@ -979,7 +979,7 @@
           <a:p>
             <a:fld id="{87DE6118-2437-4B30-8E3C-4D2BE6020583}" type="datetimeFigureOut">
               <a:rPr lang="en-US" dirty="0"/>
-              <a:t>8/20/17</a:t>
+              <a:t>8/29/2018</a:t>
             </a:fld>
             <a:endParaRPr lang="en-US" dirty="0"/>
           </a:p>
@@ -1154,7 +1154,7 @@
           <a:p>
             <a:fld id="{87DE6118-2437-4B30-8E3C-4D2BE6020583}" type="datetimeFigureOut">
               <a:rPr lang="en-US" dirty="0"/>
-              <a:t>8/20/17</a:t>
+              <a:t>8/29/2018</a:t>
             </a:fld>
             <a:endParaRPr lang="en-US" dirty="0"/>
           </a:p>
@@ -1319,7 +1319,7 @@
           <a:p>
             <a:fld id="{87DE6118-2437-4B30-8E3C-4D2BE6020583}" type="datetimeFigureOut">
               <a:rPr lang="en-US" dirty="0"/>
-              <a:t>8/20/17</a:t>
+              <a:t>8/29/2018</a:t>
             </a:fld>
             <a:endParaRPr lang="en-US" dirty="0"/>
           </a:p>
@@ -1592,7 +1592,7 @@
             <a:fld id="{87DE6118-2437-4B30-8E3C-4D2BE6020583}" type="datetimeFigureOut">
               <a:rPr lang="en-US" dirty="0"/>
               <a:pPr/>
-              <a:t>8/20/17</a:t>
+              <a:t>8/29/2018</a:t>
             </a:fld>
             <a:endParaRPr lang="en-US" dirty="0"/>
           </a:p>
@@ -1982,7 +1982,7 @@
           <a:p>
             <a:fld id="{87DE6118-2437-4B30-8E3C-4D2BE6020583}" type="datetimeFigureOut">
               <a:rPr lang="en-US" dirty="0"/>
-              <a:t>8/20/17</a:t>
+              <a:t>8/29/2018</a:t>
             </a:fld>
             <a:endParaRPr lang="en-US" dirty="0"/>
           </a:p>
@@ -2454,7 +2454,7 @@
           <a:p>
             <a:fld id="{87DE6118-2437-4B30-8E3C-4D2BE6020583}" type="datetimeFigureOut">
               <a:rPr lang="en-US" dirty="0"/>
-              <a:t>8/20/17</a:t>
+              <a:t>8/29/2018</a:t>
             </a:fld>
             <a:endParaRPr lang="en-US" dirty="0"/>
           </a:p>
@@ -2567,7 +2567,7 @@
           <a:p>
             <a:fld id="{87DE6118-2437-4B30-8E3C-4D2BE6020583}" type="datetimeFigureOut">
               <a:rPr lang="en-US" dirty="0"/>
-              <a:t>8/20/17</a:t>
+              <a:t>8/29/2018</a:t>
             </a:fld>
             <a:endParaRPr lang="en-US" dirty="0"/>
           </a:p>
@@ -2657,7 +2657,7 @@
           <a:p>
             <a:fld id="{87DE6118-2437-4B30-8E3C-4D2BE6020583}" type="datetimeFigureOut">
               <a:rPr lang="en-US" dirty="0"/>
-              <a:t>8/20/17</a:t>
+              <a:t>8/29/2018</a:t>
             </a:fld>
             <a:endParaRPr lang="en-US" dirty="0"/>
           </a:p>
@@ -2999,7 +2999,7 @@
             <a:fld id="{87DE6118-2437-4B30-8E3C-4D2BE6020583}" type="datetimeFigureOut">
               <a:rPr lang="en-US" dirty="0"/>
               <a:pPr/>
-              <a:t>8/20/17</a:t>
+              <a:t>8/29/2018</a:t>
             </a:fld>
             <a:endParaRPr lang="en-US" dirty="0"/>
           </a:p>
@@ -3384,7 +3384,7 @@
             <a:fld id="{87DE6118-2437-4B30-8E3C-4D2BE6020583}" type="datetimeFigureOut">
               <a:rPr lang="en-US" dirty="0"/>
               <a:pPr/>
-              <a:t>8/20/17</a:t>
+              <a:t>8/29/2018</a:t>
             </a:fld>
             <a:endParaRPr lang="en-US" dirty="0"/>
           </a:p>
@@ -3659,7 +3659,7 @@
             <a:fld id="{87DE6118-2437-4B30-8E3C-4D2BE6020583}" type="datetimeFigureOut">
               <a:rPr lang="en-US" dirty="0"/>
               <a:pPr/>
-              <a:t>8/20/17</a:t>
+              <a:t>8/29/2018</a:t>
             </a:fld>
             <a:endParaRPr lang="en-US" dirty="0"/>
           </a:p>
@@ -4380,7 +4380,7 @@
         <p:spPr>
           <a:xfrm>
             <a:off x="786384" y="58847"/>
-            <a:ext cx="11405616" cy="6740307"/>
+            <a:ext cx="11405616" cy="6186309"/>
           </a:xfrm>
           <a:prstGeom prst="rect">
             <a:avLst/>
@@ -4614,24 +4614,12 @@
           </a:p>
           <a:p>
             <a:r>
-              <a:rPr lang="en-US" dirty="0">
+              <a:rPr lang="en-US">
                 <a:latin typeface="Times New Roman" charset="0"/>
                 <a:ea typeface="Times New Roman" charset="0"/>
               </a:rPr>
               <a:t> </a:t>
             </a:r>
-            <a:endParaRPr lang="en-US" dirty="0" smtClean="0">
-              <a:latin typeface="Times New Roman" charset="0"/>
-              <a:ea typeface="Times New Roman" charset="0"/>
-            </a:endParaRPr>
-          </a:p>
-          <a:p>
-            <a:endParaRPr lang="en-US" dirty="0" smtClean="0">
-              <a:latin typeface="Times New Roman" charset="0"/>
-              <a:ea typeface="Times New Roman" charset="0"/>
-            </a:endParaRPr>
-          </a:p>
-          <a:p>
             <a:endParaRPr lang="en-US" dirty="0">
               <a:latin typeface="Times New Roman" charset="0"/>
               <a:ea typeface="Times New Roman" charset="0"/>
@@ -7039,7 +7027,15 @@
           <a:p>
             <a:r>
               <a:rPr lang="en-US" sz="3000" dirty="0" smtClean="0"/>
-              <a:t>Grab a calculator as you come in to the room</a:t>
+              <a:t>Grab a </a:t>
+            </a:r>
+            <a:r>
+              <a:rPr lang="en-US" sz="3000" dirty="0" smtClean="0"/>
+              <a:t>board, calculator, and book </a:t>
+            </a:r>
+            <a:r>
+              <a:rPr lang="en-US" sz="3000" dirty="0" smtClean="0"/>
+              <a:t>as you come in to the room</a:t>
             </a:r>
           </a:p>
           <a:p>
@@ -7051,11 +7047,7 @@
           <a:p>
             <a:r>
               <a:rPr lang="en-US" sz="3000" dirty="0" smtClean="0"/>
-              <a:t>Begin to </a:t>
-            </a:r>
-            <a:r>
-              <a:rPr lang="en-US" sz="3000" dirty="0" smtClean="0"/>
-              <a:t>work on Bell Work</a:t>
+              <a:t>Begin to work on Bell Work</a:t>
             </a:r>
           </a:p>
           <a:p>
